--- a/Image/tilepadding.pptx
+++ b/Image/tilepadding.pptx
@@ -4,6 +4,9 @@
   <p:sldMasterIdLst>
     <p:sldMasterId id="2147483648" r:id="rId1"/>
   </p:sldMasterIdLst>
+  <p:notesMasterIdLst>
+    <p:notesMasterId r:id="rId3"/>
+  </p:notesMasterIdLst>
   <p:sldIdLst>
     <p:sldId id="256" r:id="rId2"/>
   </p:sldIdLst>
@@ -112,6 +115,440 @@
 </p:presentation>
 </file>
 
+<file path=ppt/notesMasters/notesMaster1.xml><?xml version="1.0" encoding="utf-8"?>
+<p:notesMaster xmlns:a="http://schemas.openxmlformats.org/drawingml/2006/main" xmlns:r="http://schemas.openxmlformats.org/officeDocument/2006/relationships" xmlns:p="http://schemas.openxmlformats.org/presentationml/2006/main">
+  <p:cSld>
+    <p:bg>
+      <p:bgRef idx="1001">
+        <a:schemeClr val="bg1"/>
+      </p:bgRef>
+    </p:bg>
+    <p:spTree>
+      <p:nvGrpSpPr>
+        <p:cNvPr id="1" name=""/>
+        <p:cNvGrpSpPr/>
+        <p:nvPr/>
+      </p:nvGrpSpPr>
+      <p:grpSpPr>
+        <a:xfrm>
+          <a:off x="0" y="0"/>
+          <a:ext cx="0" cy="0"/>
+          <a:chOff x="0" y="0"/>
+          <a:chExt cx="0" cy="0"/>
+        </a:xfrm>
+      </p:grpSpPr>
+      <p:sp>
+        <p:nvSpPr>
+          <p:cNvPr id="2" name="Espace réservé de l'en-tête 1"/>
+          <p:cNvSpPr>
+            <a:spLocks noGrp="1"/>
+          </p:cNvSpPr>
+          <p:nvPr>
+            <p:ph type="hdr" sz="quarter"/>
+          </p:nvPr>
+        </p:nvSpPr>
+        <p:spPr>
+          <a:xfrm>
+            <a:off x="0" y="0"/>
+            <a:ext cx="2971800" cy="458788"/>
+          </a:xfrm>
+          <a:prstGeom prst="rect">
+            <a:avLst/>
+          </a:prstGeom>
+        </p:spPr>
+        <p:txBody>
+          <a:bodyPr vert="horz" lIns="91440" tIns="45720" rIns="91440" bIns="45720" rtlCol="0"/>
+          <a:lstStyle>
+            <a:lvl1pPr algn="l">
+              <a:defRPr sz="1200"/>
+            </a:lvl1pPr>
+          </a:lstStyle>
+          <a:p>
+            <a:endParaRPr lang="fr-BE"/>
+          </a:p>
+        </p:txBody>
+      </p:sp>
+      <p:sp>
+        <p:nvSpPr>
+          <p:cNvPr id="3" name="Espace réservé de la date 2"/>
+          <p:cNvSpPr>
+            <a:spLocks noGrp="1"/>
+          </p:cNvSpPr>
+          <p:nvPr>
+            <p:ph type="dt" idx="1"/>
+          </p:nvPr>
+        </p:nvSpPr>
+        <p:spPr>
+          <a:xfrm>
+            <a:off x="3884613" y="0"/>
+            <a:ext cx="2971800" cy="458788"/>
+          </a:xfrm>
+          <a:prstGeom prst="rect">
+            <a:avLst/>
+          </a:prstGeom>
+        </p:spPr>
+        <p:txBody>
+          <a:bodyPr vert="horz" lIns="91440" tIns="45720" rIns="91440" bIns="45720" rtlCol="0"/>
+          <a:lstStyle>
+            <a:lvl1pPr algn="r">
+              <a:defRPr sz="1200"/>
+            </a:lvl1pPr>
+          </a:lstStyle>
+          <a:p>
+            <a:fld id="{550E8B51-E4B8-4329-A6A4-C00758607E08}" type="datetimeFigureOut">
+              <a:rPr lang="fr-BE" smtClean="0"/>
+              <a:t>16-08-20</a:t>
+            </a:fld>
+            <a:endParaRPr lang="fr-BE"/>
+          </a:p>
+        </p:txBody>
+      </p:sp>
+      <p:sp>
+        <p:nvSpPr>
+          <p:cNvPr id="4" name="Espace réservé de l'image des diapositives 3"/>
+          <p:cNvSpPr>
+            <a:spLocks noGrp="1" noRot="1" noChangeAspect="1"/>
+          </p:cNvSpPr>
+          <p:nvPr>
+            <p:ph type="sldImg" idx="2"/>
+          </p:nvPr>
+        </p:nvSpPr>
+        <p:spPr>
+          <a:xfrm>
+            <a:off x="685800" y="1143000"/>
+            <a:ext cx="5486400" cy="3086100"/>
+          </a:xfrm>
+          <a:prstGeom prst="rect">
+            <a:avLst/>
+          </a:prstGeom>
+          <a:noFill/>
+          <a:ln w="12700">
+            <a:solidFill>
+              <a:prstClr val="black"/>
+            </a:solidFill>
+          </a:ln>
+        </p:spPr>
+        <p:txBody>
+          <a:bodyPr vert="horz" lIns="91440" tIns="45720" rIns="91440" bIns="45720" rtlCol="0" anchor="ctr"/>
+          <a:lstStyle/>
+          <a:p>
+            <a:endParaRPr lang="fr-BE"/>
+          </a:p>
+        </p:txBody>
+      </p:sp>
+      <p:sp>
+        <p:nvSpPr>
+          <p:cNvPr id="5" name="Espace réservé des notes 4"/>
+          <p:cNvSpPr>
+            <a:spLocks noGrp="1"/>
+          </p:cNvSpPr>
+          <p:nvPr>
+            <p:ph type="body" sz="quarter" idx="3"/>
+          </p:nvPr>
+        </p:nvSpPr>
+        <p:spPr>
+          <a:xfrm>
+            <a:off x="685800" y="4400550"/>
+            <a:ext cx="5486400" cy="3600450"/>
+          </a:xfrm>
+          <a:prstGeom prst="rect">
+            <a:avLst/>
+          </a:prstGeom>
+        </p:spPr>
+        <p:txBody>
+          <a:bodyPr vert="horz" lIns="91440" tIns="45720" rIns="91440" bIns="45720" rtlCol="0"/>
+          <a:lstStyle/>
+          <a:p>
+            <a:pPr lvl="0"/>
+            <a:r>
+              <a:rPr lang="fr-FR"/>
+              <a:t>Cliquez pour modifier les styles du texte du masque</a:t>
+            </a:r>
+          </a:p>
+          <a:p>
+            <a:pPr lvl="1"/>
+            <a:r>
+              <a:rPr lang="fr-FR"/>
+              <a:t>Deuxième niveau</a:t>
+            </a:r>
+          </a:p>
+          <a:p>
+            <a:pPr lvl="2"/>
+            <a:r>
+              <a:rPr lang="fr-FR"/>
+              <a:t>Troisième niveau</a:t>
+            </a:r>
+          </a:p>
+          <a:p>
+            <a:pPr lvl="3"/>
+            <a:r>
+              <a:rPr lang="fr-FR"/>
+              <a:t>Quatrième niveau</a:t>
+            </a:r>
+          </a:p>
+          <a:p>
+            <a:pPr lvl="4"/>
+            <a:r>
+              <a:rPr lang="fr-FR"/>
+              <a:t>Cinquième niveau</a:t>
+            </a:r>
+            <a:endParaRPr lang="fr-BE"/>
+          </a:p>
+        </p:txBody>
+      </p:sp>
+      <p:sp>
+        <p:nvSpPr>
+          <p:cNvPr id="6" name="Espace réservé du pied de page 5"/>
+          <p:cNvSpPr>
+            <a:spLocks noGrp="1"/>
+          </p:cNvSpPr>
+          <p:nvPr>
+            <p:ph type="ftr" sz="quarter" idx="4"/>
+          </p:nvPr>
+        </p:nvSpPr>
+        <p:spPr>
+          <a:xfrm>
+            <a:off x="0" y="8685213"/>
+            <a:ext cx="2971800" cy="458787"/>
+          </a:xfrm>
+          <a:prstGeom prst="rect">
+            <a:avLst/>
+          </a:prstGeom>
+        </p:spPr>
+        <p:txBody>
+          <a:bodyPr vert="horz" lIns="91440" tIns="45720" rIns="91440" bIns="45720" rtlCol="0" anchor="b"/>
+          <a:lstStyle>
+            <a:lvl1pPr algn="l">
+              <a:defRPr sz="1200"/>
+            </a:lvl1pPr>
+          </a:lstStyle>
+          <a:p>
+            <a:endParaRPr lang="fr-BE"/>
+          </a:p>
+        </p:txBody>
+      </p:sp>
+      <p:sp>
+        <p:nvSpPr>
+          <p:cNvPr id="7" name="Espace réservé du numéro de diapositive 6"/>
+          <p:cNvSpPr>
+            <a:spLocks noGrp="1"/>
+          </p:cNvSpPr>
+          <p:nvPr>
+            <p:ph type="sldNum" sz="quarter" idx="5"/>
+          </p:nvPr>
+        </p:nvSpPr>
+        <p:spPr>
+          <a:xfrm>
+            <a:off x="3884613" y="8685213"/>
+            <a:ext cx="2971800" cy="458787"/>
+          </a:xfrm>
+          <a:prstGeom prst="rect">
+            <a:avLst/>
+          </a:prstGeom>
+        </p:spPr>
+        <p:txBody>
+          <a:bodyPr vert="horz" lIns="91440" tIns="45720" rIns="91440" bIns="45720" rtlCol="0" anchor="b"/>
+          <a:lstStyle>
+            <a:lvl1pPr algn="r">
+              <a:defRPr sz="1200"/>
+            </a:lvl1pPr>
+          </a:lstStyle>
+          <a:p>
+            <a:fld id="{618FE688-000A-4AFD-A7C9-368FD126BBDF}" type="slidenum">
+              <a:rPr lang="fr-BE" smtClean="0"/>
+              <a:t>‹N°›</a:t>
+            </a:fld>
+            <a:endParaRPr lang="fr-BE"/>
+          </a:p>
+        </p:txBody>
+      </p:sp>
+    </p:spTree>
+    <p:extLst>
+      <p:ext uri="{BB962C8B-B14F-4D97-AF65-F5344CB8AC3E}">
+        <p14:creationId xmlns:p14="http://schemas.microsoft.com/office/powerpoint/2010/main" val="2313544035"/>
+      </p:ext>
+    </p:extLst>
+  </p:cSld>
+  <p:clrMap bg1="lt1" tx1="dk1" bg2="lt2" tx2="dk2" accent1="accent1" accent2="accent2" accent3="accent3" accent4="accent4" accent5="accent5" accent6="accent6" hlink="hlink" folHlink="folHlink"/>
+  <p:notesStyle>
+    <a:lvl1pPr marL="0" algn="l" defTabSz="914400" rtl="0" eaLnBrk="1" latinLnBrk="0" hangingPunct="1">
+      <a:defRPr sz="1200" kern="1200">
+        <a:solidFill>
+          <a:schemeClr val="tx1"/>
+        </a:solidFill>
+        <a:latin typeface="+mn-lt"/>
+        <a:ea typeface="+mn-ea"/>
+        <a:cs typeface="+mn-cs"/>
+      </a:defRPr>
+    </a:lvl1pPr>
+    <a:lvl2pPr marL="457200" algn="l" defTabSz="914400" rtl="0" eaLnBrk="1" latinLnBrk="0" hangingPunct="1">
+      <a:defRPr sz="1200" kern="1200">
+        <a:solidFill>
+          <a:schemeClr val="tx1"/>
+        </a:solidFill>
+        <a:latin typeface="+mn-lt"/>
+        <a:ea typeface="+mn-ea"/>
+        <a:cs typeface="+mn-cs"/>
+      </a:defRPr>
+    </a:lvl2pPr>
+    <a:lvl3pPr marL="914400" algn="l" defTabSz="914400" rtl="0" eaLnBrk="1" latinLnBrk="0" hangingPunct="1">
+      <a:defRPr sz="1200" kern="1200">
+        <a:solidFill>
+          <a:schemeClr val="tx1"/>
+        </a:solidFill>
+        <a:latin typeface="+mn-lt"/>
+        <a:ea typeface="+mn-ea"/>
+        <a:cs typeface="+mn-cs"/>
+      </a:defRPr>
+    </a:lvl3pPr>
+    <a:lvl4pPr marL="1371600" algn="l" defTabSz="914400" rtl="0" eaLnBrk="1" latinLnBrk="0" hangingPunct="1">
+      <a:defRPr sz="1200" kern="1200">
+        <a:solidFill>
+          <a:schemeClr val="tx1"/>
+        </a:solidFill>
+        <a:latin typeface="+mn-lt"/>
+        <a:ea typeface="+mn-ea"/>
+        <a:cs typeface="+mn-cs"/>
+      </a:defRPr>
+    </a:lvl4pPr>
+    <a:lvl5pPr marL="1828800" algn="l" defTabSz="914400" rtl="0" eaLnBrk="1" latinLnBrk="0" hangingPunct="1">
+      <a:defRPr sz="1200" kern="1200">
+        <a:solidFill>
+          <a:schemeClr val="tx1"/>
+        </a:solidFill>
+        <a:latin typeface="+mn-lt"/>
+        <a:ea typeface="+mn-ea"/>
+        <a:cs typeface="+mn-cs"/>
+      </a:defRPr>
+    </a:lvl5pPr>
+    <a:lvl6pPr marL="2286000" algn="l" defTabSz="914400" rtl="0" eaLnBrk="1" latinLnBrk="0" hangingPunct="1">
+      <a:defRPr sz="1200" kern="1200">
+        <a:solidFill>
+          <a:schemeClr val="tx1"/>
+        </a:solidFill>
+        <a:latin typeface="+mn-lt"/>
+        <a:ea typeface="+mn-ea"/>
+        <a:cs typeface="+mn-cs"/>
+      </a:defRPr>
+    </a:lvl6pPr>
+    <a:lvl7pPr marL="2743200" algn="l" defTabSz="914400" rtl="0" eaLnBrk="1" latinLnBrk="0" hangingPunct="1">
+      <a:defRPr sz="1200" kern="1200">
+        <a:solidFill>
+          <a:schemeClr val="tx1"/>
+        </a:solidFill>
+        <a:latin typeface="+mn-lt"/>
+        <a:ea typeface="+mn-ea"/>
+        <a:cs typeface="+mn-cs"/>
+      </a:defRPr>
+    </a:lvl7pPr>
+    <a:lvl8pPr marL="3200400" algn="l" defTabSz="914400" rtl="0" eaLnBrk="1" latinLnBrk="0" hangingPunct="1">
+      <a:defRPr sz="1200" kern="1200">
+        <a:solidFill>
+          <a:schemeClr val="tx1"/>
+        </a:solidFill>
+        <a:latin typeface="+mn-lt"/>
+        <a:ea typeface="+mn-ea"/>
+        <a:cs typeface="+mn-cs"/>
+      </a:defRPr>
+    </a:lvl8pPr>
+    <a:lvl9pPr marL="3657600" algn="l" defTabSz="914400" rtl="0" eaLnBrk="1" latinLnBrk="0" hangingPunct="1">
+      <a:defRPr sz="1200" kern="1200">
+        <a:solidFill>
+          <a:schemeClr val="tx1"/>
+        </a:solidFill>
+        <a:latin typeface="+mn-lt"/>
+        <a:ea typeface="+mn-ea"/>
+        <a:cs typeface="+mn-cs"/>
+      </a:defRPr>
+    </a:lvl9pPr>
+  </p:notesStyle>
+</p:notesMaster>
+</file>
+
+<file path=ppt/notesSlides/notesSlide1.xml><?xml version="1.0" encoding="utf-8"?>
+<p:notes xmlns:a="http://schemas.openxmlformats.org/drawingml/2006/main" xmlns:r="http://schemas.openxmlformats.org/officeDocument/2006/relationships" xmlns:p="http://schemas.openxmlformats.org/presentationml/2006/main">
+  <p:cSld>
+    <p:spTree>
+      <p:nvGrpSpPr>
+        <p:cNvPr id="1" name=""/>
+        <p:cNvGrpSpPr/>
+        <p:nvPr/>
+      </p:nvGrpSpPr>
+      <p:grpSpPr>
+        <a:xfrm>
+          <a:off x="0" y="0"/>
+          <a:ext cx="0" cy="0"/>
+          <a:chOff x="0" y="0"/>
+          <a:chExt cx="0" cy="0"/>
+        </a:xfrm>
+      </p:grpSpPr>
+      <p:sp>
+        <p:nvSpPr>
+          <p:cNvPr id="2" name="Espace réservé de l'image des diapositives 1"/>
+          <p:cNvSpPr>
+            <a:spLocks noGrp="1" noRot="1" noChangeAspect="1"/>
+          </p:cNvSpPr>
+          <p:nvPr>
+            <p:ph type="sldImg"/>
+          </p:nvPr>
+        </p:nvSpPr>
+        <p:spPr/>
+      </p:sp>
+      <p:sp>
+        <p:nvSpPr>
+          <p:cNvPr id="3" name="Espace réservé des notes 2"/>
+          <p:cNvSpPr>
+            <a:spLocks noGrp="1"/>
+          </p:cNvSpPr>
+          <p:nvPr>
+            <p:ph type="body" idx="1"/>
+          </p:nvPr>
+        </p:nvSpPr>
+        <p:spPr/>
+        <p:txBody>
+          <a:bodyPr/>
+          <a:lstStyle/>
+          <a:p>
+            <a:endParaRPr lang="fr-BE" dirty="0"/>
+          </a:p>
+        </p:txBody>
+      </p:sp>
+      <p:sp>
+        <p:nvSpPr>
+          <p:cNvPr id="4" name="Espace réservé du numéro de diapositive 3"/>
+          <p:cNvSpPr>
+            <a:spLocks noGrp="1"/>
+          </p:cNvSpPr>
+          <p:nvPr>
+            <p:ph type="sldNum" sz="quarter" idx="5"/>
+          </p:nvPr>
+        </p:nvSpPr>
+        <p:spPr/>
+        <p:txBody>
+          <a:bodyPr/>
+          <a:lstStyle/>
+          <a:p>
+            <a:fld id="{618FE688-000A-4AFD-A7C9-368FD126BBDF}" type="slidenum">
+              <a:rPr lang="fr-BE" smtClean="0"/>
+              <a:t>1</a:t>
+            </a:fld>
+            <a:endParaRPr lang="fr-BE"/>
+          </a:p>
+        </p:txBody>
+      </p:sp>
+    </p:spTree>
+    <p:extLst>
+      <p:ext uri="{BB962C8B-B14F-4D97-AF65-F5344CB8AC3E}">
+        <p14:creationId xmlns:p14="http://schemas.microsoft.com/office/powerpoint/2010/main" val="2386758985"/>
+      </p:ext>
+    </p:extLst>
+  </p:cSld>
+  <p:clrMapOvr>
+    <a:masterClrMapping/>
+  </p:clrMapOvr>
+</p:notes>
+</file>
+
 <file path=ppt/slideLayouts/slideLayout1.xml><?xml version="1.0" encoding="utf-8"?>
 <p:sldLayout xmlns:a="http://schemas.openxmlformats.org/drawingml/2006/main" xmlns:r="http://schemas.openxmlformats.org/officeDocument/2006/relationships" xmlns:p="http://schemas.openxmlformats.org/presentationml/2006/main" type="title" preserve="1">
   <p:cSld name="Diapositive de titre">
@@ -261,7 +698,7 @@
           <a:p>
             <a:fld id="{66A1282D-D120-44D2-A9B1-02B620280613}" type="datetimeFigureOut">
               <a:rPr lang="fr-BE" smtClean="0"/>
-              <a:t>10-08-20</a:t>
+              <a:t>16-08-20</a:t>
             </a:fld>
             <a:endParaRPr lang="fr-BE"/>
           </a:p>
@@ -461,7 +898,7 @@
           <a:p>
             <a:fld id="{66A1282D-D120-44D2-A9B1-02B620280613}" type="datetimeFigureOut">
               <a:rPr lang="fr-BE" smtClean="0"/>
-              <a:t>10-08-20</a:t>
+              <a:t>16-08-20</a:t>
             </a:fld>
             <a:endParaRPr lang="fr-BE"/>
           </a:p>
@@ -671,7 +1108,7 @@
           <a:p>
             <a:fld id="{66A1282D-D120-44D2-A9B1-02B620280613}" type="datetimeFigureOut">
               <a:rPr lang="fr-BE" smtClean="0"/>
-              <a:t>10-08-20</a:t>
+              <a:t>16-08-20</a:t>
             </a:fld>
             <a:endParaRPr lang="fr-BE"/>
           </a:p>
@@ -871,7 +1308,7 @@
           <a:p>
             <a:fld id="{66A1282D-D120-44D2-A9B1-02B620280613}" type="datetimeFigureOut">
               <a:rPr lang="fr-BE" smtClean="0"/>
-              <a:t>10-08-20</a:t>
+              <a:t>16-08-20</a:t>
             </a:fld>
             <a:endParaRPr lang="fr-BE"/>
           </a:p>
@@ -1147,7 +1584,7 @@
           <a:p>
             <a:fld id="{66A1282D-D120-44D2-A9B1-02B620280613}" type="datetimeFigureOut">
               <a:rPr lang="fr-BE" smtClean="0"/>
-              <a:t>10-08-20</a:t>
+              <a:t>16-08-20</a:t>
             </a:fld>
             <a:endParaRPr lang="fr-BE"/>
           </a:p>
@@ -1415,7 +1852,7 @@
           <a:p>
             <a:fld id="{66A1282D-D120-44D2-A9B1-02B620280613}" type="datetimeFigureOut">
               <a:rPr lang="fr-BE" smtClean="0"/>
-              <a:t>10-08-20</a:t>
+              <a:t>16-08-20</a:t>
             </a:fld>
             <a:endParaRPr lang="fr-BE"/>
           </a:p>
@@ -1830,7 +2267,7 @@
           <a:p>
             <a:fld id="{66A1282D-D120-44D2-A9B1-02B620280613}" type="datetimeFigureOut">
               <a:rPr lang="fr-BE" smtClean="0"/>
-              <a:t>10-08-20</a:t>
+              <a:t>16-08-20</a:t>
             </a:fld>
             <a:endParaRPr lang="fr-BE"/>
           </a:p>
@@ -1972,7 +2409,7 @@
           <a:p>
             <a:fld id="{66A1282D-D120-44D2-A9B1-02B620280613}" type="datetimeFigureOut">
               <a:rPr lang="fr-BE" smtClean="0"/>
-              <a:t>10-08-20</a:t>
+              <a:t>16-08-20</a:t>
             </a:fld>
             <a:endParaRPr lang="fr-BE"/>
           </a:p>
@@ -2085,7 +2522,7 @@
           <a:p>
             <a:fld id="{66A1282D-D120-44D2-A9B1-02B620280613}" type="datetimeFigureOut">
               <a:rPr lang="fr-BE" smtClean="0"/>
-              <a:t>10-08-20</a:t>
+              <a:t>16-08-20</a:t>
             </a:fld>
             <a:endParaRPr lang="fr-BE"/>
           </a:p>
@@ -2398,7 +2835,7 @@
           <a:p>
             <a:fld id="{66A1282D-D120-44D2-A9B1-02B620280613}" type="datetimeFigureOut">
               <a:rPr lang="fr-BE" smtClean="0"/>
-              <a:t>10-08-20</a:t>
+              <a:t>16-08-20</a:t>
             </a:fld>
             <a:endParaRPr lang="fr-BE"/>
           </a:p>
@@ -2687,7 +3124,7 @@
           <a:p>
             <a:fld id="{66A1282D-D120-44D2-A9B1-02B620280613}" type="datetimeFigureOut">
               <a:rPr lang="fr-BE" smtClean="0"/>
-              <a:t>10-08-20</a:t>
+              <a:t>16-08-20</a:t>
             </a:fld>
             <a:endParaRPr lang="fr-BE"/>
           </a:p>
@@ -2930,7 +3367,7 @@
           <a:p>
             <a:fld id="{66A1282D-D120-44D2-A9B1-02B620280613}" type="datetimeFigureOut">
               <a:rPr lang="fr-BE" smtClean="0"/>
-              <a:t>10-08-20</a:t>
+              <a:t>16-08-20</a:t>
             </a:fld>
             <a:endParaRPr lang="fr-BE"/>
           </a:p>
@@ -3347,8 +3784,8 @@
           <a:chExt cx="0" cy="0"/>
         </a:xfrm>
       </p:grpSpPr>
-      <mc:AlternateContent xmlns:mc="http://schemas.openxmlformats.org/markup-compatibility/2006">
-        <mc:Choice xmlns:a14="http://schemas.microsoft.com/office/drawing/2010/main" Requires="a14">
+      <mc:AlternateContent xmlns:mc="http://schemas.openxmlformats.org/markup-compatibility/2006" xmlns:a14="http://schemas.microsoft.com/office/drawing/2010/main">
+        <mc:Choice Requires="a14">
           <p:sp>
             <p:nvSpPr>
               <p:cNvPr id="5" name="Rectangle 4">
@@ -3363,7 +3800,7 @@
             </p:nvSpPr>
             <p:spPr>
               <a:xfrm>
-                <a:off x="4360415" y="2443579"/>
+                <a:off x="4360415" y="2132862"/>
                 <a:ext cx="3471169" cy="1970842"/>
               </a:xfrm>
               <a:prstGeom prst="rect">
@@ -3443,7 +3880,7 @@
             </p:txBody>
           </p:sp>
         </mc:Choice>
-        <mc:Fallback>
+        <mc:Fallback xmlns="">
           <p:sp>
             <p:nvSpPr>
               <p:cNvPr id="5" name="Rectangle 4">
@@ -3460,14 +3897,14 @@
             </p:nvSpPr>
             <p:spPr>
               <a:xfrm>
-                <a:off x="4360415" y="2443579"/>
+                <a:off x="4360415" y="2132862"/>
                 <a:ext cx="3471169" cy="1970842"/>
               </a:xfrm>
               <a:prstGeom prst="rect">
                 <a:avLst/>
               </a:prstGeom>
               <a:blipFill>
-                <a:blip r:embed="rId2"/>
+                <a:blip r:embed="rId3"/>
                 <a:stretch>
                   <a:fillRect/>
                 </a:stretch>
@@ -3507,7 +3944,7 @@
         </p:nvSpPr>
         <p:spPr>
           <a:xfrm>
-            <a:off x="720568" y="316272"/>
+            <a:off x="720568" y="5555"/>
             <a:ext cx="3471169" cy="1970842"/>
           </a:xfrm>
           <a:prstGeom prst="rect">
@@ -3561,7 +3998,7 @@
         </p:nvSpPr>
         <p:spPr>
           <a:xfrm>
-            <a:off x="711692" y="2443579"/>
+            <a:off x="711692" y="2132862"/>
             <a:ext cx="3471169" cy="1970842"/>
           </a:xfrm>
           <a:prstGeom prst="rect">
@@ -3615,7 +4052,7 @@
         </p:nvSpPr>
         <p:spPr>
           <a:xfrm>
-            <a:off x="711691" y="4591975"/>
+            <a:off x="711691" y="4281258"/>
             <a:ext cx="3471169" cy="1970842"/>
           </a:xfrm>
           <a:prstGeom prst="rect">
@@ -3669,7 +4106,7 @@
         </p:nvSpPr>
         <p:spPr>
           <a:xfrm>
-            <a:off x="4360414" y="4591975"/>
+            <a:off x="4360414" y="4281258"/>
             <a:ext cx="3471169" cy="1970842"/>
           </a:xfrm>
           <a:prstGeom prst="rect">
@@ -3723,7 +4160,7 @@
         </p:nvSpPr>
         <p:spPr>
           <a:xfrm>
-            <a:off x="4369292" y="286305"/>
+            <a:off x="4369292" y="-24412"/>
             <a:ext cx="3471169" cy="1970842"/>
           </a:xfrm>
           <a:prstGeom prst="rect">
@@ -3777,7 +4214,7 @@
         </p:nvSpPr>
         <p:spPr>
           <a:xfrm>
-            <a:off x="8026894" y="295183"/>
+            <a:off x="8026894" y="-15534"/>
             <a:ext cx="3471169" cy="1970842"/>
           </a:xfrm>
           <a:prstGeom prst="rect">
@@ -3831,7 +4268,7 @@
         </p:nvSpPr>
         <p:spPr>
           <a:xfrm>
-            <a:off x="8009138" y="2443579"/>
+            <a:off x="8009138" y="2132862"/>
             <a:ext cx="3471169" cy="1970842"/>
           </a:xfrm>
           <a:prstGeom prst="rect">
@@ -3885,7 +4322,7 @@
         </p:nvSpPr>
         <p:spPr>
           <a:xfrm>
-            <a:off x="8009140" y="4591975"/>
+            <a:off x="8009140" y="4281258"/>
             <a:ext cx="3471169" cy="1970842"/>
           </a:xfrm>
           <a:prstGeom prst="rect">
@@ -3939,7 +4376,7 @@
         </p:nvSpPr>
         <p:spPr>
           <a:xfrm>
-            <a:off x="705775" y="321814"/>
+            <a:off x="705775" y="11097"/>
             <a:ext cx="380262" cy="1979720"/>
           </a:xfrm>
           <a:prstGeom prst="rect">
@@ -3988,7 +4425,7 @@
         </p:nvSpPr>
         <p:spPr>
           <a:xfrm rot="5400000">
-            <a:off x="2266021" y="-1238060"/>
+            <a:off x="2266021" y="-1548777"/>
             <a:ext cx="380262" cy="3488926"/>
           </a:xfrm>
           <a:prstGeom prst="rect">
@@ -4037,7 +4474,7 @@
         </p:nvSpPr>
         <p:spPr>
           <a:xfrm>
-            <a:off x="711690" y="2443579"/>
+            <a:off x="711690" y="2132862"/>
             <a:ext cx="380262" cy="1984901"/>
           </a:xfrm>
           <a:prstGeom prst="rect">
@@ -4086,7 +4523,7 @@
         </p:nvSpPr>
         <p:spPr>
           <a:xfrm rot="5400000">
-            <a:off x="5905867" y="-1268027"/>
+            <a:off x="5905867" y="-1578744"/>
             <a:ext cx="380262" cy="3488926"/>
           </a:xfrm>
           <a:prstGeom prst="rect">
@@ -4135,7 +4572,7 @@
         </p:nvSpPr>
         <p:spPr>
           <a:xfrm rot="5400000">
-            <a:off x="2267501" y="4644869"/>
+            <a:off x="2267501" y="4334152"/>
             <a:ext cx="380262" cy="3488926"/>
           </a:xfrm>
           <a:prstGeom prst="rect">
@@ -4184,7 +4621,7 @@
         </p:nvSpPr>
         <p:spPr>
           <a:xfrm rot="5400000">
-            <a:off x="5896989" y="4652637"/>
+            <a:off x="5896989" y="4341920"/>
             <a:ext cx="380262" cy="3488926"/>
           </a:xfrm>
           <a:prstGeom prst="rect">
@@ -4233,7 +4670,7 @@
         </p:nvSpPr>
         <p:spPr>
           <a:xfrm rot="5400000">
-            <a:off x="9544237" y="4652638"/>
+            <a:off x="9544237" y="4341921"/>
             <a:ext cx="380262" cy="3488926"/>
           </a:xfrm>
           <a:prstGeom prst="rect">
@@ -4282,7 +4719,7 @@
         </p:nvSpPr>
         <p:spPr>
           <a:xfrm>
-            <a:off x="692456" y="4584945"/>
+            <a:off x="692456" y="4274228"/>
             <a:ext cx="380262" cy="1984901"/>
           </a:xfrm>
           <a:prstGeom prst="rect">
@@ -4331,7 +4768,7 @@
         </p:nvSpPr>
         <p:spPr>
           <a:xfrm>
-            <a:off x="11117064" y="4584944"/>
+            <a:off x="11117064" y="4274227"/>
             <a:ext cx="380262" cy="1984901"/>
           </a:xfrm>
           <a:prstGeom prst="rect">
@@ -4380,7 +4817,7 @@
         </p:nvSpPr>
         <p:spPr>
           <a:xfrm>
-            <a:off x="11114844" y="2443579"/>
+            <a:off x="11114844" y="2132862"/>
             <a:ext cx="380262" cy="1984901"/>
           </a:xfrm>
           <a:prstGeom prst="rect">
@@ -4429,7 +4866,7 @@
         </p:nvSpPr>
         <p:spPr>
           <a:xfrm>
-            <a:off x="11135557" y="295183"/>
+            <a:off x="11135557" y="-15534"/>
             <a:ext cx="380262" cy="1984901"/>
           </a:xfrm>
           <a:prstGeom prst="rect">
@@ -4478,7 +4915,7 @@
         </p:nvSpPr>
         <p:spPr>
           <a:xfrm rot="5400000">
-            <a:off x="9578262" y="-1276536"/>
+            <a:off x="9578262" y="-1587253"/>
             <a:ext cx="380262" cy="3488926"/>
           </a:xfrm>
           <a:prstGeom prst="rect">
@@ -4510,6 +4947,526 @@
           <a:p>
             <a:pPr algn="ctr"/>
             <a:endParaRPr lang="fr-BE"/>
+          </a:p>
+        </p:txBody>
+      </p:sp>
+      <p:sp>
+        <p:nvSpPr>
+          <p:cNvPr id="2" name="Ellipse 1">
+            <a:extLst>
+              <a:ext uri="{FF2B5EF4-FFF2-40B4-BE49-F238E27FC236}">
+                <a16:creationId xmlns:a16="http://schemas.microsoft.com/office/drawing/2014/main" id="{664FA8C2-C2C0-4528-B5EB-F0E8432C4F95}"/>
+              </a:ext>
+            </a:extLst>
+          </p:cNvPr>
+          <p:cNvSpPr/>
+          <p:nvPr/>
+        </p:nvSpPr>
+        <p:spPr>
+          <a:xfrm>
+            <a:off x="932671" y="246317"/>
+            <a:ext cx="360000" cy="360000"/>
+          </a:xfrm>
+          <a:prstGeom prst="ellipse">
+            <a:avLst/>
+          </a:prstGeom>
+        </p:spPr>
+        <p:style>
+          <a:lnRef idx="2">
+            <a:schemeClr val="accent1">
+              <a:shade val="50000"/>
+            </a:schemeClr>
+          </a:lnRef>
+          <a:fillRef idx="1">
+            <a:schemeClr val="accent1"/>
+          </a:fillRef>
+          <a:effectRef idx="0">
+            <a:schemeClr val="accent1"/>
+          </a:effectRef>
+          <a:fontRef idx="minor">
+            <a:schemeClr val="lt1"/>
+          </a:fontRef>
+        </p:style>
+        <p:txBody>
+          <a:bodyPr rtlCol="0" anchor="ctr"/>
+          <a:lstStyle/>
+          <a:p>
+            <a:pPr algn="ctr"/>
+            <a:endParaRPr lang="fr-BE"/>
+          </a:p>
+        </p:txBody>
+      </p:sp>
+      <p:sp>
+        <p:nvSpPr>
+          <p:cNvPr id="3" name="Ellipse 2">
+            <a:extLst>
+              <a:ext uri="{FF2B5EF4-FFF2-40B4-BE49-F238E27FC236}">
+                <a16:creationId xmlns:a16="http://schemas.microsoft.com/office/drawing/2014/main" id="{1C728FB8-4A67-4D7C-9095-4F331A44580F}"/>
+              </a:ext>
+            </a:extLst>
+          </p:cNvPr>
+          <p:cNvSpPr/>
+          <p:nvPr/>
+        </p:nvSpPr>
+        <p:spPr>
+          <a:xfrm>
+            <a:off x="4232718" y="212741"/>
+            <a:ext cx="360000" cy="360000"/>
+          </a:xfrm>
+          <a:prstGeom prst="ellipse">
+            <a:avLst/>
+          </a:prstGeom>
+        </p:spPr>
+        <p:style>
+          <a:lnRef idx="2">
+            <a:schemeClr val="accent1">
+              <a:shade val="50000"/>
+            </a:schemeClr>
+          </a:lnRef>
+          <a:fillRef idx="1">
+            <a:schemeClr val="accent1"/>
+          </a:fillRef>
+          <a:effectRef idx="0">
+            <a:schemeClr val="accent1"/>
+          </a:effectRef>
+          <a:fontRef idx="minor">
+            <a:schemeClr val="lt1"/>
+          </a:fontRef>
+        </p:style>
+        <p:txBody>
+          <a:bodyPr rtlCol="0" anchor="ctr"/>
+          <a:lstStyle/>
+          <a:p>
+            <a:pPr algn="ctr"/>
+            <a:endParaRPr lang="fr-BE"/>
+          </a:p>
+        </p:txBody>
+      </p:sp>
+      <p:sp>
+        <p:nvSpPr>
+          <p:cNvPr id="4" name="Ellipse 3">
+            <a:extLst>
+              <a:ext uri="{FF2B5EF4-FFF2-40B4-BE49-F238E27FC236}">
+                <a16:creationId xmlns:a16="http://schemas.microsoft.com/office/drawing/2014/main" id="{7DEF6AB8-E23B-43F8-A69C-9895DCEC6FB1}"/>
+              </a:ext>
+            </a:extLst>
+          </p:cNvPr>
+          <p:cNvSpPr/>
+          <p:nvPr/>
+        </p:nvSpPr>
+        <p:spPr>
+          <a:xfrm>
+            <a:off x="932671" y="1997847"/>
+            <a:ext cx="360000" cy="360000"/>
+          </a:xfrm>
+          <a:prstGeom prst="ellipse">
+            <a:avLst/>
+          </a:prstGeom>
+        </p:spPr>
+        <p:style>
+          <a:lnRef idx="2">
+            <a:schemeClr val="accent1">
+              <a:shade val="50000"/>
+            </a:schemeClr>
+          </a:lnRef>
+          <a:fillRef idx="1">
+            <a:schemeClr val="accent1"/>
+          </a:fillRef>
+          <a:effectRef idx="0">
+            <a:schemeClr val="accent1"/>
+          </a:effectRef>
+          <a:fontRef idx="minor">
+            <a:schemeClr val="lt1"/>
+          </a:fontRef>
+        </p:style>
+        <p:txBody>
+          <a:bodyPr rtlCol="0" anchor="ctr"/>
+          <a:lstStyle/>
+          <a:p>
+            <a:pPr algn="ctr"/>
+            <a:endParaRPr lang="fr-BE"/>
+          </a:p>
+        </p:txBody>
+      </p:sp>
+      <p:sp>
+        <p:nvSpPr>
+          <p:cNvPr id="6" name="Ellipse 5">
+            <a:extLst>
+              <a:ext uri="{FF2B5EF4-FFF2-40B4-BE49-F238E27FC236}">
+                <a16:creationId xmlns:a16="http://schemas.microsoft.com/office/drawing/2014/main" id="{0B1657B9-5EBA-4E58-801B-FE2414B4F741}"/>
+              </a:ext>
+            </a:extLst>
+          </p:cNvPr>
+          <p:cNvSpPr/>
+          <p:nvPr/>
+        </p:nvSpPr>
+        <p:spPr>
+          <a:xfrm>
+            <a:off x="906037" y="4161038"/>
+            <a:ext cx="360000" cy="360000"/>
+          </a:xfrm>
+          <a:prstGeom prst="ellipse">
+            <a:avLst/>
+          </a:prstGeom>
+        </p:spPr>
+        <p:style>
+          <a:lnRef idx="2">
+            <a:schemeClr val="accent1">
+              <a:shade val="50000"/>
+            </a:schemeClr>
+          </a:lnRef>
+          <a:fillRef idx="1">
+            <a:schemeClr val="accent1"/>
+          </a:fillRef>
+          <a:effectRef idx="0">
+            <a:schemeClr val="accent1"/>
+          </a:effectRef>
+          <a:fontRef idx="minor">
+            <a:schemeClr val="lt1"/>
+          </a:fontRef>
+        </p:style>
+        <p:txBody>
+          <a:bodyPr rtlCol="0" anchor="ctr"/>
+          <a:lstStyle/>
+          <a:p>
+            <a:pPr algn="ctr"/>
+            <a:endParaRPr lang="fr-BE"/>
+          </a:p>
+        </p:txBody>
+      </p:sp>
+      <p:sp>
+        <p:nvSpPr>
+          <p:cNvPr id="7" name="Ellipse 6">
+            <a:extLst>
+              <a:ext uri="{FF2B5EF4-FFF2-40B4-BE49-F238E27FC236}">
+                <a16:creationId xmlns:a16="http://schemas.microsoft.com/office/drawing/2014/main" id="{1833DAC7-0601-4635-B58E-82FC0E830D21}"/>
+              </a:ext>
+            </a:extLst>
+          </p:cNvPr>
+          <p:cNvSpPr/>
+          <p:nvPr/>
+        </p:nvSpPr>
+        <p:spPr>
+          <a:xfrm>
+            <a:off x="4229249" y="1990817"/>
+            <a:ext cx="360000" cy="360000"/>
+          </a:xfrm>
+          <a:prstGeom prst="ellipse">
+            <a:avLst/>
+          </a:prstGeom>
+        </p:spPr>
+        <p:style>
+          <a:lnRef idx="2">
+            <a:schemeClr val="accent1">
+              <a:shade val="50000"/>
+            </a:schemeClr>
+          </a:lnRef>
+          <a:fillRef idx="1">
+            <a:schemeClr val="accent1"/>
+          </a:fillRef>
+          <a:effectRef idx="0">
+            <a:schemeClr val="accent1"/>
+          </a:effectRef>
+          <a:fontRef idx="minor">
+            <a:schemeClr val="lt1"/>
+          </a:fontRef>
+        </p:style>
+        <p:txBody>
+          <a:bodyPr rtlCol="0" anchor="ctr"/>
+          <a:lstStyle/>
+          <a:p>
+            <a:pPr algn="ctr"/>
+            <a:endParaRPr lang="fr-BE"/>
+          </a:p>
+        </p:txBody>
+      </p:sp>
+      <p:sp>
+        <p:nvSpPr>
+          <p:cNvPr id="8" name="Ellipse 7">
+            <a:extLst>
+              <a:ext uri="{FF2B5EF4-FFF2-40B4-BE49-F238E27FC236}">
+                <a16:creationId xmlns:a16="http://schemas.microsoft.com/office/drawing/2014/main" id="{3E37EA3D-CEAA-4661-AAB1-7540E7B85012}"/>
+              </a:ext>
+            </a:extLst>
+          </p:cNvPr>
+          <p:cNvSpPr/>
+          <p:nvPr/>
+        </p:nvSpPr>
+        <p:spPr>
+          <a:xfrm>
+            <a:off x="4241090" y="4161038"/>
+            <a:ext cx="360000" cy="360000"/>
+          </a:xfrm>
+          <a:prstGeom prst="ellipse">
+            <a:avLst/>
+          </a:prstGeom>
+        </p:spPr>
+        <p:style>
+          <a:lnRef idx="2">
+            <a:schemeClr val="accent1">
+              <a:shade val="50000"/>
+            </a:schemeClr>
+          </a:lnRef>
+          <a:fillRef idx="1">
+            <a:schemeClr val="accent1"/>
+          </a:fillRef>
+          <a:effectRef idx="0">
+            <a:schemeClr val="accent1"/>
+          </a:effectRef>
+          <a:fontRef idx="minor">
+            <a:schemeClr val="lt1"/>
+          </a:fontRef>
+        </p:style>
+        <p:txBody>
+          <a:bodyPr rtlCol="0" anchor="ctr"/>
+          <a:lstStyle/>
+          <a:p>
+            <a:pPr algn="ctr"/>
+            <a:endParaRPr lang="fr-BE"/>
+          </a:p>
+        </p:txBody>
+      </p:sp>
+      <p:sp>
+        <p:nvSpPr>
+          <p:cNvPr id="9" name="Ellipse 8">
+            <a:extLst>
+              <a:ext uri="{FF2B5EF4-FFF2-40B4-BE49-F238E27FC236}">
+                <a16:creationId xmlns:a16="http://schemas.microsoft.com/office/drawing/2014/main" id="{37421900-1A57-4BEB-8236-267985651B13}"/>
+              </a:ext>
+            </a:extLst>
+          </p:cNvPr>
+          <p:cNvSpPr/>
+          <p:nvPr/>
+        </p:nvSpPr>
+        <p:spPr>
+          <a:xfrm>
+            <a:off x="7878493" y="212741"/>
+            <a:ext cx="360000" cy="360000"/>
+          </a:xfrm>
+          <a:prstGeom prst="ellipse">
+            <a:avLst/>
+          </a:prstGeom>
+        </p:spPr>
+        <p:style>
+          <a:lnRef idx="2">
+            <a:schemeClr val="accent1">
+              <a:shade val="50000"/>
+            </a:schemeClr>
+          </a:lnRef>
+          <a:fillRef idx="1">
+            <a:schemeClr val="accent1"/>
+          </a:fillRef>
+          <a:effectRef idx="0">
+            <a:schemeClr val="accent1"/>
+          </a:effectRef>
+          <a:fontRef idx="minor">
+            <a:schemeClr val="lt1"/>
+          </a:fontRef>
+        </p:style>
+        <p:txBody>
+          <a:bodyPr rtlCol="0" anchor="ctr"/>
+          <a:lstStyle/>
+          <a:p>
+            <a:pPr algn="ctr"/>
+            <a:endParaRPr lang="fr-BE"/>
+          </a:p>
+        </p:txBody>
+      </p:sp>
+      <p:sp>
+        <p:nvSpPr>
+          <p:cNvPr id="10" name="Ellipse 9">
+            <a:extLst>
+              <a:ext uri="{FF2B5EF4-FFF2-40B4-BE49-F238E27FC236}">
+                <a16:creationId xmlns:a16="http://schemas.microsoft.com/office/drawing/2014/main" id="{6EB0B5EE-71DB-4EE6-991E-22F86B16E48A}"/>
+              </a:ext>
+            </a:extLst>
+          </p:cNvPr>
+          <p:cNvSpPr/>
+          <p:nvPr/>
+        </p:nvSpPr>
+        <p:spPr>
+          <a:xfrm>
+            <a:off x="7878493" y="2005290"/>
+            <a:ext cx="360000" cy="360000"/>
+          </a:xfrm>
+          <a:prstGeom prst="ellipse">
+            <a:avLst/>
+          </a:prstGeom>
+        </p:spPr>
+        <p:style>
+          <a:lnRef idx="2">
+            <a:schemeClr val="accent1">
+              <a:shade val="50000"/>
+            </a:schemeClr>
+          </a:lnRef>
+          <a:fillRef idx="1">
+            <a:schemeClr val="accent1"/>
+          </a:fillRef>
+          <a:effectRef idx="0">
+            <a:schemeClr val="accent1"/>
+          </a:effectRef>
+          <a:fontRef idx="minor">
+            <a:schemeClr val="lt1"/>
+          </a:fontRef>
+        </p:style>
+        <p:txBody>
+          <a:bodyPr rtlCol="0" anchor="ctr"/>
+          <a:lstStyle/>
+          <a:p>
+            <a:pPr algn="ctr"/>
+            <a:endParaRPr lang="fr-BE"/>
+          </a:p>
+        </p:txBody>
+      </p:sp>
+      <p:sp>
+        <p:nvSpPr>
+          <p:cNvPr id="11" name="Ellipse 10">
+            <a:extLst>
+              <a:ext uri="{FF2B5EF4-FFF2-40B4-BE49-F238E27FC236}">
+                <a16:creationId xmlns:a16="http://schemas.microsoft.com/office/drawing/2014/main" id="{0D962A9A-5C41-41F1-A958-8E556D5122D1}"/>
+              </a:ext>
+            </a:extLst>
+          </p:cNvPr>
+          <p:cNvSpPr/>
+          <p:nvPr/>
+        </p:nvSpPr>
+        <p:spPr>
+          <a:xfrm>
+            <a:off x="7870057" y="4165114"/>
+            <a:ext cx="360000" cy="360000"/>
+          </a:xfrm>
+          <a:prstGeom prst="ellipse">
+            <a:avLst/>
+          </a:prstGeom>
+        </p:spPr>
+        <p:style>
+          <a:lnRef idx="2">
+            <a:schemeClr val="accent1">
+              <a:shade val="50000"/>
+            </a:schemeClr>
+          </a:lnRef>
+          <a:fillRef idx="1">
+            <a:schemeClr val="accent1"/>
+          </a:fillRef>
+          <a:effectRef idx="0">
+            <a:schemeClr val="accent1"/>
+          </a:effectRef>
+          <a:fontRef idx="minor">
+            <a:schemeClr val="lt1"/>
+          </a:fontRef>
+        </p:style>
+        <p:txBody>
+          <a:bodyPr rtlCol="0" anchor="ctr"/>
+          <a:lstStyle/>
+          <a:p>
+            <a:pPr algn="ctr"/>
+            <a:endParaRPr lang="fr-BE"/>
+          </a:p>
+        </p:txBody>
+      </p:sp>
+      <p:sp>
+        <p:nvSpPr>
+          <p:cNvPr id="12" name="Ellipse 11">
+            <a:extLst>
+              <a:ext uri="{FF2B5EF4-FFF2-40B4-BE49-F238E27FC236}">
+                <a16:creationId xmlns:a16="http://schemas.microsoft.com/office/drawing/2014/main" id="{976C5FA9-2E6D-4D6B-B62C-30816FEFCE75}"/>
+              </a:ext>
+            </a:extLst>
+          </p:cNvPr>
+          <p:cNvSpPr/>
+          <p:nvPr/>
+        </p:nvSpPr>
+        <p:spPr>
+          <a:xfrm>
+            <a:off x="692456" y="6464386"/>
+            <a:ext cx="360000" cy="360000"/>
+          </a:xfrm>
+          <a:prstGeom prst="ellipse">
+            <a:avLst/>
+          </a:prstGeom>
+        </p:spPr>
+        <p:style>
+          <a:lnRef idx="2">
+            <a:schemeClr val="accent1">
+              <a:shade val="50000"/>
+            </a:schemeClr>
+          </a:lnRef>
+          <a:fillRef idx="1">
+            <a:schemeClr val="accent1"/>
+          </a:fillRef>
+          <a:effectRef idx="0">
+            <a:schemeClr val="accent1"/>
+          </a:effectRef>
+          <a:fontRef idx="minor">
+            <a:schemeClr val="lt1"/>
+          </a:fontRef>
+        </p:style>
+        <p:txBody>
+          <a:bodyPr rtlCol="0" anchor="ctr"/>
+          <a:lstStyle/>
+          <a:p>
+            <a:pPr algn="ctr"/>
+            <a:endParaRPr lang="fr-BE"/>
+          </a:p>
+        </p:txBody>
+      </p:sp>
+      <p:sp>
+        <p:nvSpPr>
+          <p:cNvPr id="13" name="ZoneTexte 12">
+            <a:extLst>
+              <a:ext uri="{FF2B5EF4-FFF2-40B4-BE49-F238E27FC236}">
+                <a16:creationId xmlns:a16="http://schemas.microsoft.com/office/drawing/2014/main" id="{11CD4886-8C82-4D40-B270-53CA4F1574C3}"/>
+              </a:ext>
+            </a:extLst>
+          </p:cNvPr>
+          <p:cNvSpPr txBox="1"/>
+          <p:nvPr/>
+        </p:nvSpPr>
+        <p:spPr>
+          <a:xfrm>
+            <a:off x="1052456" y="6342784"/>
+            <a:ext cx="2551361" cy="461665"/>
+          </a:xfrm>
+          <a:prstGeom prst="rect">
+            <a:avLst/>
+          </a:prstGeom>
+          <a:noFill/>
+        </p:spPr>
+        <p:txBody>
+          <a:bodyPr wrap="square" rtlCol="0">
+            <a:spAutoFit/>
+          </a:bodyPr>
+          <a:lstStyle/>
+          <a:p>
+            <a:r>
+              <a:rPr lang="fr-FR" dirty="0">
+                <a:solidFill>
+                  <a:schemeClr val="accent1"/>
+                </a:solidFill>
+              </a:rPr>
+              <a:t>: </a:t>
+            </a:r>
+            <a:r>
+              <a:rPr lang="fr-FR" sz="2400" dirty="0">
+                <a:solidFill>
+                  <a:schemeClr val="accent1"/>
+                </a:solidFill>
+              </a:rPr>
+              <a:t>pixel of </a:t>
+            </a:r>
+            <a:r>
+              <a:rPr lang="fr-FR" sz="2400" dirty="0" err="1">
+                <a:solidFill>
+                  <a:schemeClr val="accent1"/>
+                </a:solidFill>
+              </a:rPr>
+              <a:t>reference</a:t>
+            </a:r>
+            <a:endParaRPr lang="fr-BE" dirty="0">
+              <a:solidFill>
+                <a:schemeClr val="accent1"/>
+              </a:solidFill>
+            </a:endParaRPr>
           </a:p>
         </p:txBody>
       </p:sp>
@@ -4819,4 +5776,299 @@
     </a:ext>
   </a:extLst>
 </a:theme>
+</file>
+
+<file path=ppt/theme/theme2.xml><?xml version="1.0" encoding="utf-8"?>
+<a:theme xmlns:a="http://schemas.openxmlformats.org/drawingml/2006/main" name="Thème Office">
+  <a:themeElements>
+    <a:clrScheme name="Office">
+      <a:dk1>
+        <a:sysClr val="windowText" lastClr="000000"/>
+      </a:dk1>
+      <a:lt1>
+        <a:sysClr val="window" lastClr="FFFFFF"/>
+      </a:lt1>
+      <a:dk2>
+        <a:srgbClr val="44546A"/>
+      </a:dk2>
+      <a:lt2>
+        <a:srgbClr val="E7E6E6"/>
+      </a:lt2>
+      <a:accent1>
+        <a:srgbClr val="4472C4"/>
+      </a:accent1>
+      <a:accent2>
+        <a:srgbClr val="ED7D31"/>
+      </a:accent2>
+      <a:accent3>
+        <a:srgbClr val="A5A5A5"/>
+      </a:accent3>
+      <a:accent4>
+        <a:srgbClr val="FFC000"/>
+      </a:accent4>
+      <a:accent5>
+        <a:srgbClr val="5B9BD5"/>
+      </a:accent5>
+      <a:accent6>
+        <a:srgbClr val="70AD47"/>
+      </a:accent6>
+      <a:hlink>
+        <a:srgbClr val="0563C1"/>
+      </a:hlink>
+      <a:folHlink>
+        <a:srgbClr val="954F72"/>
+      </a:folHlink>
+    </a:clrScheme>
+    <a:fontScheme name="Office">
+      <a:majorFont>
+        <a:latin typeface="Calibri Light" panose="020F0302020204030204"/>
+        <a:ea typeface=""/>
+        <a:cs typeface=""/>
+        <a:font script="Jpan" typeface="游ゴシック Light"/>
+        <a:font script="Hang" typeface="맑은 고딕"/>
+        <a:font script="Hans" typeface="等线 Light"/>
+        <a:font script="Hant" typeface="新細明體"/>
+        <a:font script="Arab" typeface="Times New Roman"/>
+        <a:font script="Hebr" typeface="Times New Roman"/>
+        <a:font script="Thai" typeface="Angsana New"/>
+        <a:font script="Ethi" typeface="Nyala"/>
+        <a:font script="Beng" typeface="Vrinda"/>
+        <a:font script="Gujr" typeface="Shruti"/>
+        <a:font script="Khmr" typeface="MoolBoran"/>
+        <a:font script="Knda" typeface="Tunga"/>
+        <a:font script="Guru" typeface="Raavi"/>
+        <a:font script="Cans" typeface="Euphemia"/>
+        <a:font script="Cher" typeface="Plantagenet Cherokee"/>
+        <a:font script="Yiii" typeface="Microsoft Yi Baiti"/>
+        <a:font script="Tibt" typeface="Microsoft Himalaya"/>
+        <a:font script="Thaa" typeface="MV Boli"/>
+        <a:font script="Deva" typeface="Mangal"/>
+        <a:font script="Telu" typeface="Gautami"/>
+        <a:font script="Taml" typeface="Latha"/>
+        <a:font script="Syrc" typeface="Estrangelo Edessa"/>
+        <a:font script="Orya" typeface="Kalinga"/>
+        <a:font script="Mlym" typeface="Kartika"/>
+        <a:font script="Laoo" typeface="DokChampa"/>
+        <a:font script="Sinh" typeface="Iskoola Pota"/>
+        <a:font script="Mong" typeface="Mongolian Baiti"/>
+        <a:font script="Viet" typeface="Times New Roman"/>
+        <a:font script="Uigh" typeface="Microsoft Uighur"/>
+        <a:font script="Geor" typeface="Sylfaen"/>
+        <a:font script="Armn" typeface="Arial"/>
+        <a:font script="Bugi" typeface="Leelawadee UI"/>
+        <a:font script="Bopo" typeface="Microsoft JhengHei"/>
+        <a:font script="Java" typeface="Javanese Text"/>
+        <a:font script="Lisu" typeface="Segoe UI"/>
+        <a:font script="Mymr" typeface="Myanmar Text"/>
+        <a:font script="Nkoo" typeface="Ebrima"/>
+        <a:font script="Olck" typeface="Nirmala UI"/>
+        <a:font script="Osma" typeface="Ebrima"/>
+        <a:font script="Phag" typeface="Phagspa"/>
+        <a:font script="Syrn" typeface="Estrangelo Edessa"/>
+        <a:font script="Syrj" typeface="Estrangelo Edessa"/>
+        <a:font script="Syre" typeface="Estrangelo Edessa"/>
+        <a:font script="Sora" typeface="Nirmala UI"/>
+        <a:font script="Tale" typeface="Microsoft Tai Le"/>
+        <a:font script="Talu" typeface="Microsoft New Tai Lue"/>
+        <a:font script="Tfng" typeface="Ebrima"/>
+      </a:majorFont>
+      <a:minorFont>
+        <a:latin typeface="Calibri" panose="020F0502020204030204"/>
+        <a:ea typeface=""/>
+        <a:cs typeface=""/>
+        <a:font script="Jpan" typeface="游ゴシック"/>
+        <a:font script="Hang" typeface="맑은 고딕"/>
+        <a:font script="Hans" typeface="等线"/>
+        <a:font script="Hant" typeface="新細明體"/>
+        <a:font script="Arab" typeface="Arial"/>
+        <a:font script="Hebr" typeface="Arial"/>
+        <a:font script="Thai" typeface="Cordia New"/>
+        <a:font script="Ethi" typeface="Nyala"/>
+        <a:font script="Beng" typeface="Vrinda"/>
+        <a:font script="Gujr" typeface="Shruti"/>
+        <a:font script="Khmr" typeface="DaunPenh"/>
+        <a:font script="Knda" typeface="Tunga"/>
+        <a:font script="Guru" typeface="Raavi"/>
+        <a:font script="Cans" typeface="Euphemia"/>
+        <a:font script="Cher" typeface="Plantagenet Cherokee"/>
+        <a:font script="Yiii" typeface="Microsoft Yi Baiti"/>
+        <a:font script="Tibt" typeface="Microsoft Himalaya"/>
+        <a:font script="Thaa" typeface="MV Boli"/>
+        <a:font script="Deva" typeface="Mangal"/>
+        <a:font script="Telu" typeface="Gautami"/>
+        <a:font script="Taml" typeface="Latha"/>
+        <a:font script="Syrc" typeface="Estrangelo Edessa"/>
+        <a:font script="Orya" typeface="Kalinga"/>
+        <a:font script="Mlym" typeface="Kartika"/>
+        <a:font script="Laoo" typeface="DokChampa"/>
+        <a:font script="Sinh" typeface="Iskoola Pota"/>
+        <a:font script="Mong" typeface="Mongolian Baiti"/>
+        <a:font script="Viet" typeface="Arial"/>
+        <a:font script="Uigh" typeface="Microsoft Uighur"/>
+        <a:font script="Geor" typeface="Sylfaen"/>
+        <a:font script="Armn" typeface="Arial"/>
+        <a:font script="Bugi" typeface="Leelawadee UI"/>
+        <a:font script="Bopo" typeface="Microsoft JhengHei"/>
+        <a:font script="Java" typeface="Javanese Text"/>
+        <a:font script="Lisu" typeface="Segoe UI"/>
+        <a:font script="Mymr" typeface="Myanmar Text"/>
+        <a:font script="Nkoo" typeface="Ebrima"/>
+        <a:font script="Olck" typeface="Nirmala UI"/>
+        <a:font script="Osma" typeface="Ebrima"/>
+        <a:font script="Phag" typeface="Phagspa"/>
+        <a:font script="Syrn" typeface="Estrangelo Edessa"/>
+        <a:font script="Syrj" typeface="Estrangelo Edessa"/>
+        <a:font script="Syre" typeface="Estrangelo Edessa"/>
+        <a:font script="Sora" typeface="Nirmala UI"/>
+        <a:font script="Tale" typeface="Microsoft Tai Le"/>
+        <a:font script="Talu" typeface="Microsoft New Tai Lue"/>
+        <a:font script="Tfng" typeface="Ebrima"/>
+      </a:minorFont>
+    </a:fontScheme>
+    <a:fmtScheme name="Office">
+      <a:fillStyleLst>
+        <a:solidFill>
+          <a:schemeClr val="phClr"/>
+        </a:solidFill>
+        <a:gradFill rotWithShape="1">
+          <a:gsLst>
+            <a:gs pos="0">
+              <a:schemeClr val="phClr">
+                <a:lumMod val="110000"/>
+                <a:satMod val="105000"/>
+                <a:tint val="67000"/>
+              </a:schemeClr>
+            </a:gs>
+            <a:gs pos="50000">
+              <a:schemeClr val="phClr">
+                <a:lumMod val="105000"/>
+                <a:satMod val="103000"/>
+                <a:tint val="73000"/>
+              </a:schemeClr>
+            </a:gs>
+            <a:gs pos="100000">
+              <a:schemeClr val="phClr">
+                <a:lumMod val="105000"/>
+                <a:satMod val="109000"/>
+                <a:tint val="81000"/>
+              </a:schemeClr>
+            </a:gs>
+          </a:gsLst>
+          <a:lin ang="5400000" scaled="0"/>
+        </a:gradFill>
+        <a:gradFill rotWithShape="1">
+          <a:gsLst>
+            <a:gs pos="0">
+              <a:schemeClr val="phClr">
+                <a:satMod val="103000"/>
+                <a:lumMod val="102000"/>
+                <a:tint val="94000"/>
+              </a:schemeClr>
+            </a:gs>
+            <a:gs pos="50000">
+              <a:schemeClr val="phClr">
+                <a:satMod val="110000"/>
+                <a:lumMod val="100000"/>
+                <a:shade val="100000"/>
+              </a:schemeClr>
+            </a:gs>
+            <a:gs pos="100000">
+              <a:schemeClr val="phClr">
+                <a:lumMod val="99000"/>
+                <a:satMod val="120000"/>
+                <a:shade val="78000"/>
+              </a:schemeClr>
+            </a:gs>
+          </a:gsLst>
+          <a:lin ang="5400000" scaled="0"/>
+        </a:gradFill>
+      </a:fillStyleLst>
+      <a:lnStyleLst>
+        <a:ln w="6350" cap="flat" cmpd="sng" algn="ctr">
+          <a:solidFill>
+            <a:schemeClr val="phClr"/>
+          </a:solidFill>
+          <a:prstDash val="solid"/>
+          <a:miter lim="800000"/>
+        </a:ln>
+        <a:ln w="12700" cap="flat" cmpd="sng" algn="ctr">
+          <a:solidFill>
+            <a:schemeClr val="phClr"/>
+          </a:solidFill>
+          <a:prstDash val="solid"/>
+          <a:miter lim="800000"/>
+        </a:ln>
+        <a:ln w="19050" cap="flat" cmpd="sng" algn="ctr">
+          <a:solidFill>
+            <a:schemeClr val="phClr"/>
+          </a:solidFill>
+          <a:prstDash val="solid"/>
+          <a:miter lim="800000"/>
+        </a:ln>
+      </a:lnStyleLst>
+      <a:effectStyleLst>
+        <a:effectStyle>
+          <a:effectLst/>
+        </a:effectStyle>
+        <a:effectStyle>
+          <a:effectLst/>
+        </a:effectStyle>
+        <a:effectStyle>
+          <a:effectLst>
+            <a:outerShdw blurRad="57150" dist="19050" dir="5400000" algn="ctr" rotWithShape="0">
+              <a:srgbClr val="000000">
+                <a:alpha val="63000"/>
+              </a:srgbClr>
+            </a:outerShdw>
+          </a:effectLst>
+        </a:effectStyle>
+      </a:effectStyleLst>
+      <a:bgFillStyleLst>
+        <a:solidFill>
+          <a:schemeClr val="phClr"/>
+        </a:solidFill>
+        <a:solidFill>
+          <a:schemeClr val="phClr">
+            <a:tint val="95000"/>
+            <a:satMod val="170000"/>
+          </a:schemeClr>
+        </a:solidFill>
+        <a:gradFill rotWithShape="1">
+          <a:gsLst>
+            <a:gs pos="0">
+              <a:schemeClr val="phClr">
+                <a:tint val="93000"/>
+                <a:satMod val="150000"/>
+                <a:shade val="98000"/>
+                <a:lumMod val="102000"/>
+              </a:schemeClr>
+            </a:gs>
+            <a:gs pos="50000">
+              <a:schemeClr val="phClr">
+                <a:tint val="98000"/>
+                <a:satMod val="130000"/>
+                <a:shade val="90000"/>
+                <a:lumMod val="103000"/>
+              </a:schemeClr>
+            </a:gs>
+            <a:gs pos="100000">
+              <a:schemeClr val="phClr">
+                <a:shade val="63000"/>
+                <a:satMod val="120000"/>
+              </a:schemeClr>
+            </a:gs>
+          </a:gsLst>
+          <a:lin ang="5400000" scaled="0"/>
+        </a:gradFill>
+      </a:bgFillStyleLst>
+    </a:fmtScheme>
+  </a:themeElements>
+  <a:objectDefaults/>
+  <a:extraClrSchemeLst/>
+  <a:extLst>
+    <a:ext uri="{05A4C25C-085E-4340-85A3-A5531E510DB2}">
+      <thm15:themeFamily xmlns:thm15="http://schemas.microsoft.com/office/thememl/2012/main" name="Office Theme" id="{62F939B6-93AF-4DB8-9C6B-D6C7DFDC589F}" vid="{4A3C46E8-61CC-4603-A589-7422A47A8E4A}"/>
+    </a:ext>
+  </a:extLst>
+</a:theme>
 </file>